--- a/Story Sharing Website.pptx
+++ b/Story Sharing Website.pptx
@@ -3496,12 +3496,12 @@
         <p:spPr>
           <a:xfrm>
             <a:off x="838200" y="1825625"/>
-            <a:ext cx="10515600" cy="2662485"/>
+            <a:ext cx="10515600" cy="4281560"/>
           </a:xfrm>
         </p:spPr>
         <p:txBody>
           <a:bodyPr>
-            <a:normAutofit lnSpcReduction="10000"/>
+            <a:normAutofit/>
           </a:bodyPr>
           <a:lstStyle/>
           <a:p>
@@ -3533,6 +3533,17 @@
               <a:rPr lang="en-GB" dirty="0"/>
               <a:t>Copying and pasting disabled</a:t>
             </a:r>
+          </a:p>
+          <a:p>
+            <a:r>
+              <a:rPr lang="en-GB" dirty="0"/>
+              <a:t>Writers cannot get reputation points without </a:t>
+            </a:r>
+            <a:r>
+              <a:rPr lang="en-GB"/>
+              <a:t>publishing stories</a:t>
+            </a:r>
+            <a:endParaRPr lang="en-GB" dirty="0"/>
           </a:p>
         </p:txBody>
       </p:sp>

--- a/Story Sharing Website.pptx
+++ b/Story Sharing Website.pptx
@@ -8,8 +8,7 @@
     <p:sldId id="256" r:id="rId2"/>
     <p:sldId id="257" r:id="rId3"/>
     <p:sldId id="259" r:id="rId4"/>
-    <p:sldId id="260" r:id="rId5"/>
-    <p:sldId id="258" r:id="rId6"/>
+    <p:sldId id="258" r:id="rId5"/>
   </p:sldIdLst>
   <p:sldSz cx="12192000" cy="6858000"/>
   <p:notesSz cx="6858000" cy="9144000"/>
@@ -3537,13 +3536,8 @@
           <a:p>
             <a:r>
               <a:rPr lang="en-GB" dirty="0"/>
-              <a:t>Writers cannot get reputation points without </a:t>
-            </a:r>
-            <a:r>
-              <a:rPr lang="en-GB"/>
-              <a:t>publishing stories</a:t>
-            </a:r>
-            <a:endParaRPr lang="en-GB" dirty="0"/>
+              <a:t>Writers cannot get reputation points without publishing stories</a:t>
+            </a:r>
           </a:p>
         </p:txBody>
       </p:sp>
@@ -3629,7 +3623,7 @@
         </p:spPr>
         <p:txBody>
           <a:bodyPr>
-            <a:normAutofit fontScale="92500" lnSpcReduction="10000"/>
+            <a:normAutofit fontScale="70000" lnSpcReduction="20000"/>
           </a:bodyPr>
           <a:lstStyle/>
           <a:p>
@@ -3648,6 +3642,12 @@
             <a:r>
               <a:rPr lang="en-GB" dirty="0"/>
               <a:t>Gap in market</a:t>
+            </a:r>
+          </a:p>
+          <a:p>
+            <a:r>
+              <a:rPr lang="en-GB" dirty="0"/>
+              <a:t>More accessible to amateur writers, includes a complete WYSIWYG editor so no need to learn any kind of mark up</a:t>
             </a:r>
           </a:p>
           <a:p>
@@ -3792,92 +3792,6 @@
           <p:cNvPr id="2" name="Title 1">
             <a:extLst>
               <a:ext uri="{FF2B5EF4-FFF2-40B4-BE49-F238E27FC236}">
-                <a16:creationId xmlns:a16="http://schemas.microsoft.com/office/drawing/2014/main" id="{0CF151D8-FA15-405D-9BF9-111D76C55786}"/>
-              </a:ext>
-            </a:extLst>
-          </p:cNvPr>
-          <p:cNvSpPr>
-            <a:spLocks noGrp="1"/>
-          </p:cNvSpPr>
-          <p:nvPr>
-            <p:ph type="title"/>
-          </p:nvPr>
-        </p:nvSpPr>
-        <p:spPr/>
-        <p:txBody>
-          <a:bodyPr/>
-          <a:lstStyle/>
-          <a:p>
-            <a:r>
-              <a:rPr lang="en-GB" dirty="0"/>
-              <a:t>Plan of website:</a:t>
-            </a:r>
-          </a:p>
-        </p:txBody>
-      </p:sp>
-      <p:sp>
-        <p:nvSpPr>
-          <p:cNvPr id="3" name="Content Placeholder 2">
-            <a:extLst>
-              <a:ext uri="{FF2B5EF4-FFF2-40B4-BE49-F238E27FC236}">
-                <a16:creationId xmlns:a16="http://schemas.microsoft.com/office/drawing/2014/main" id="{77A533C0-703A-4479-9C7C-E49891920AF5}"/>
-              </a:ext>
-            </a:extLst>
-          </p:cNvPr>
-          <p:cNvSpPr>
-            <a:spLocks noGrp="1"/>
-          </p:cNvSpPr>
-          <p:nvPr>
-            <p:ph idx="1"/>
-          </p:nvPr>
-        </p:nvSpPr>
-        <p:spPr/>
-        <p:txBody>
-          <a:bodyPr/>
-          <a:lstStyle/>
-          <a:p>
-            <a:r>
-              <a:rPr lang="en-GB" dirty="0"/>
-              <a:t>Insert Pictures here…</a:t>
-            </a:r>
-          </a:p>
-        </p:txBody>
-      </p:sp>
-    </p:spTree>
-    <p:extLst>
-      <p:ext uri="{BB962C8B-B14F-4D97-AF65-F5344CB8AC3E}">
-        <p14:creationId xmlns:p14="http://schemas.microsoft.com/office/powerpoint/2010/main" val="1319490175"/>
-      </p:ext>
-    </p:extLst>
-  </p:cSld>
-  <p:clrMapOvr>
-    <a:masterClrMapping/>
-  </p:clrMapOvr>
-</p:sld>
-</file>
-
-<file path=ppt/slides/slide5.xml><?xml version="1.0" encoding="utf-8"?>
-<p:sld xmlns:a="http://schemas.openxmlformats.org/drawingml/2006/main" xmlns:r="http://schemas.openxmlformats.org/officeDocument/2006/relationships" xmlns:p="http://schemas.openxmlformats.org/presentationml/2006/main">
-  <p:cSld>
-    <p:spTree>
-      <p:nvGrpSpPr>
-        <p:cNvPr id="1" name=""/>
-        <p:cNvGrpSpPr/>
-        <p:nvPr/>
-      </p:nvGrpSpPr>
-      <p:grpSpPr>
-        <a:xfrm>
-          <a:off x="0" y="0"/>
-          <a:ext cx="0" cy="0"/>
-          <a:chOff x="0" y="0"/>
-          <a:chExt cx="0" cy="0"/>
-        </a:xfrm>
-      </p:grpSpPr>
-      <p:sp>
-        <p:nvSpPr>
-          <p:cNvPr id="2" name="Title 1">
-            <a:extLst>
-              <a:ext uri="{FF2B5EF4-FFF2-40B4-BE49-F238E27FC236}">
                 <a16:creationId xmlns:a16="http://schemas.microsoft.com/office/drawing/2014/main" id="{A5086325-65AE-4012-8B9C-4D2D5B9CC2C9}"/>
               </a:ext>
             </a:extLst>
@@ -3920,19 +3834,19 @@
         <p:spPr/>
         <p:txBody>
           <a:bodyPr>
-            <a:normAutofit lnSpcReduction="10000"/>
+            <a:normAutofit fontScale="92500" lnSpcReduction="20000"/>
           </a:bodyPr>
           <a:lstStyle/>
           <a:p>
             <a:r>
               <a:rPr lang="en-GB" dirty="0"/>
-              <a:t>Readers can read up to 2 pages before payment is necessary</a:t>
+              <a:t>Readers can read the first 2 pages before payment is necessary, to capture their interest</a:t>
             </a:r>
           </a:p>
           <a:p>
             <a:r>
               <a:rPr lang="en-GB" dirty="0"/>
-              <a:t>Writers get 5 free stories before they have to pay for money but we get 30% of the profits</a:t>
+              <a:t>Writers get 5 free stories on sign-up a we get 30% of the revenue from free stories. Writers get 1 free chapter every week to keep them coming back.</a:t>
             </a:r>
           </a:p>
           <a:p>
@@ -3951,6 +3865,12 @@
             <a:r>
               <a:rPr lang="en-GB" dirty="0"/>
               <a:t>Writers can subscribe which will give discounted price per story upload</a:t>
+            </a:r>
+          </a:p>
+          <a:p>
+            <a:r>
+              <a:rPr lang="en-GB" dirty="0"/>
+              <a:t>Readers can sponsor writers</a:t>
             </a:r>
           </a:p>
           <a:p>
